--- a/GSI/GSI2021-BestPaperAward-PaperPrize.pptx
+++ b/GSI/GSI2021-BestPaperAward-PaperPrize.pptx
@@ -243,7 +243,7 @@
           <a:p>
             <a:fld id="{A2392E15-2A65-4B43-B1BE-D658C606B4D0}" type="datetimeFigureOut">
               <a:rPr lang="en-US" smtClean="0"/>
-              <a:t>7/22/2021</a:t>
+              <a:t>8/29/2021</a:t>
             </a:fld>
             <a:endParaRPr lang="en-US"/>
           </a:p>
@@ -413,7 +413,7 @@
           <a:p>
             <a:fld id="{A2392E15-2A65-4B43-B1BE-D658C606B4D0}" type="datetimeFigureOut">
               <a:rPr lang="en-US" smtClean="0"/>
-              <a:t>7/22/2021</a:t>
+              <a:t>8/29/2021</a:t>
             </a:fld>
             <a:endParaRPr lang="en-US"/>
           </a:p>
@@ -593,7 +593,7 @@
           <a:p>
             <a:fld id="{A2392E15-2A65-4B43-B1BE-D658C606B4D0}" type="datetimeFigureOut">
               <a:rPr lang="en-US" smtClean="0"/>
-              <a:t>7/22/2021</a:t>
+              <a:t>8/29/2021</a:t>
             </a:fld>
             <a:endParaRPr lang="en-US"/>
           </a:p>
@@ -763,7 +763,7 @@
           <a:p>
             <a:fld id="{A2392E15-2A65-4B43-B1BE-D658C606B4D0}" type="datetimeFigureOut">
               <a:rPr lang="en-US" smtClean="0"/>
-              <a:t>7/22/2021</a:t>
+              <a:t>8/29/2021</a:t>
             </a:fld>
             <a:endParaRPr lang="en-US"/>
           </a:p>
@@ -1009,7 +1009,7 @@
           <a:p>
             <a:fld id="{A2392E15-2A65-4B43-B1BE-D658C606B4D0}" type="datetimeFigureOut">
               <a:rPr lang="en-US" smtClean="0"/>
-              <a:t>7/22/2021</a:t>
+              <a:t>8/29/2021</a:t>
             </a:fld>
             <a:endParaRPr lang="en-US"/>
           </a:p>
@@ -1241,7 +1241,7 @@
           <a:p>
             <a:fld id="{A2392E15-2A65-4B43-B1BE-D658C606B4D0}" type="datetimeFigureOut">
               <a:rPr lang="en-US" smtClean="0"/>
-              <a:t>7/22/2021</a:t>
+              <a:t>8/29/2021</a:t>
             </a:fld>
             <a:endParaRPr lang="en-US"/>
           </a:p>
@@ -1608,7 +1608,7 @@
           <a:p>
             <a:fld id="{A2392E15-2A65-4B43-B1BE-D658C606B4D0}" type="datetimeFigureOut">
               <a:rPr lang="en-US" smtClean="0"/>
-              <a:t>7/22/2021</a:t>
+              <a:t>8/29/2021</a:t>
             </a:fld>
             <a:endParaRPr lang="en-US"/>
           </a:p>
@@ -1726,7 +1726,7 @@
           <a:p>
             <a:fld id="{A2392E15-2A65-4B43-B1BE-D658C606B4D0}" type="datetimeFigureOut">
               <a:rPr lang="en-US" smtClean="0"/>
-              <a:t>7/22/2021</a:t>
+              <a:t>8/29/2021</a:t>
             </a:fld>
             <a:endParaRPr lang="en-US"/>
           </a:p>
@@ -1821,7 +1821,7 @@
           <a:p>
             <a:fld id="{A2392E15-2A65-4B43-B1BE-D658C606B4D0}" type="datetimeFigureOut">
               <a:rPr lang="en-US" smtClean="0"/>
-              <a:t>7/22/2021</a:t>
+              <a:t>8/29/2021</a:t>
             </a:fld>
             <a:endParaRPr lang="en-US"/>
           </a:p>
@@ -2098,7 +2098,7 @@
           <a:p>
             <a:fld id="{A2392E15-2A65-4B43-B1BE-D658C606B4D0}" type="datetimeFigureOut">
               <a:rPr lang="en-US" smtClean="0"/>
-              <a:t>7/22/2021</a:t>
+              <a:t>8/29/2021</a:t>
             </a:fld>
             <a:endParaRPr lang="en-US"/>
           </a:p>
@@ -2351,7 +2351,7 @@
           <a:p>
             <a:fld id="{A2392E15-2A65-4B43-B1BE-D658C606B4D0}" type="datetimeFigureOut">
               <a:rPr lang="en-US" smtClean="0"/>
-              <a:t>7/22/2021</a:t>
+              <a:t>8/29/2021</a:t>
             </a:fld>
             <a:endParaRPr lang="en-US"/>
           </a:p>
@@ -2564,7 +2564,7 @@
           <a:p>
             <a:fld id="{A2392E15-2A65-4B43-B1BE-D658C606B4D0}" type="datetimeFigureOut">
               <a:rPr lang="en-US" smtClean="0"/>
-              <a:t>7/22/2021</a:t>
+              <a:t>8/29/2021</a:t>
             </a:fld>
             <a:endParaRPr lang="en-US"/>
           </a:p>
@@ -3251,11 +3251,7 @@
           <a:p>
             <a:r>
               <a:rPr lang="en-US" b="1" dirty="0" smtClean="0"/>
-              <a:t>AUTHORS </a:t>
-            </a:r>
-            <a:r>
-              <a:rPr lang="en-US" b="1" dirty="0" smtClean="0"/>
-              <a:t>OF THE PAPER</a:t>
+              <a:t>AUTHORS OF THE PAPER</a:t>
             </a:r>
             <a:endParaRPr lang="en-US" b="1" dirty="0"/>
           </a:p>
@@ -3473,64 +3469,6 @@
               <a:t>Zimmermann </a:t>
             </a:r>
             <a:endParaRPr lang="en-US" altLang="en-US" sz="5400" b="1" dirty="0">
-              <a:latin typeface="Arial" panose="020B0604020202020204" pitchFamily="34" charset="0"/>
-            </a:endParaRPr>
-          </a:p>
-        </p:txBody>
-      </p:sp>
-      <p:sp>
-        <p:nvSpPr>
-          <p:cNvPr id="15" name="TextBox 14"/>
-          <p:cNvSpPr txBox="1"/>
-          <p:nvPr/>
-        </p:nvSpPr>
-        <p:spPr>
-          <a:xfrm>
-            <a:off x="3084662" y="4247913"/>
-            <a:ext cx="7709162" cy="523220"/>
-          </a:xfrm>
-          <a:prstGeom prst="rect">
-            <a:avLst/>
-          </a:prstGeom>
-          <a:noFill/>
-        </p:spPr>
-        <p:txBody>
-          <a:bodyPr wrap="none" rtlCol="0">
-            <a:spAutoFit/>
-          </a:bodyPr>
-          <a:lstStyle/>
-          <a:p>
-            <a:pPr lvl="0" eaLnBrk="0" fontAlgn="base" hangingPunct="0">
-              <a:spcBef>
-                <a:spcPct val="0"/>
-              </a:spcBef>
-              <a:spcAft>
-                <a:spcPct val="0"/>
-              </a:spcAft>
-            </a:pPr>
-            <a:r>
-              <a:rPr lang="en-US" altLang="en-US" sz="2800" b="1" i="1" dirty="0">
-                <a:latin typeface="Arial Unicode MS"/>
-              </a:rPr>
-              <a:t>Endpoint Quasi-geodesics on the </a:t>
-            </a:r>
-            <a:r>
-              <a:rPr lang="en-US" altLang="en-US" sz="2800" b="1" i="1" dirty="0" err="1">
-                <a:latin typeface="Arial Unicode MS"/>
-              </a:rPr>
-              <a:t>Stiefel</a:t>
-            </a:r>
-            <a:r>
-              <a:rPr lang="en-US" altLang="en-US" sz="2800" b="1" i="1" dirty="0">
-                <a:latin typeface="Arial Unicode MS"/>
-              </a:rPr>
-              <a:t> Manifold</a:t>
-            </a:r>
-            <a:r>
-              <a:rPr lang="en-US" altLang="en-US" sz="2000" b="1" i="1" dirty="0"/>
-              <a:t> </a:t>
-            </a:r>
-            <a:endParaRPr lang="en-US" altLang="en-US" sz="5400" b="1" i="1" dirty="0">
               <a:latin typeface="Arial" panose="020B0604020202020204" pitchFamily="34" charset="0"/>
             </a:endParaRPr>
           </a:p>
@@ -3672,6 +3610,55 @@
           </a:extLst>
         </p:spPr>
       </p:pic>
+      <p:sp>
+        <p:nvSpPr>
+          <p:cNvPr id="20" name="Rectangle 19"/>
+          <p:cNvSpPr/>
+          <p:nvPr/>
+        </p:nvSpPr>
+        <p:spPr>
+          <a:xfrm>
+            <a:off x="2498655" y="4372164"/>
+            <a:ext cx="7500708" cy="523220"/>
+          </a:xfrm>
+          <a:prstGeom prst="rect">
+            <a:avLst/>
+          </a:prstGeom>
+        </p:spPr>
+        <p:txBody>
+          <a:bodyPr wrap="none">
+            <a:spAutoFit/>
+          </a:bodyPr>
+          <a:lstStyle/>
+          <a:p>
+            <a:pPr lvl="0" eaLnBrk="0" fontAlgn="base" hangingPunct="0">
+              <a:spcBef>
+                <a:spcPct val="0"/>
+              </a:spcBef>
+              <a:spcAft>
+                <a:spcPct val="0"/>
+              </a:spcAft>
+            </a:pPr>
+            <a:r>
+              <a:rPr lang="en-US" altLang="en-US" sz="2800" b="1" dirty="0"/>
+              <a:t>Efficient Quasi-Geodesics on the </a:t>
+            </a:r>
+            <a:r>
+              <a:rPr lang="en-US" altLang="en-US" sz="2800" b="1" dirty="0" err="1"/>
+              <a:t>Stiefel</a:t>
+            </a:r>
+            <a:r>
+              <a:rPr lang="en-US" altLang="en-US" sz="2800" b="1" dirty="0"/>
+              <a:t> Manifold</a:t>
+            </a:r>
+            <a:r>
+              <a:rPr lang="en-US" altLang="en-US" sz="2000" b="1" dirty="0"/>
+              <a:t> </a:t>
+            </a:r>
+            <a:endParaRPr lang="en-US" altLang="en-US" sz="5400" b="1" dirty="0"/>
+          </a:p>
+        </p:txBody>
+      </p:sp>
     </p:spTree>
     <p:extLst>
       <p:ext uri="{BB962C8B-B14F-4D97-AF65-F5344CB8AC3E}">
